--- a/Project 4 Presentation (Draft).pptx
+++ b/Project 4 Presentation (Draft).pptx
@@ -2488,7 +2488,7 @@
           <a:p>
             <a:fld id="{12CF8341-16B0-4D18-91EE-CF81BF162AB5}" type="datetimeFigureOut">
               <a:rPr lang="en-SG" smtClean="0"/>
-              <a:t>14/10/2021</a:t>
+              <a:t>15/10/2021</a:t>
             </a:fld>
             <a:endParaRPr lang="en-SG"/>
           </a:p>
@@ -2929,6 +2929,194 @@
 </p:notes>
 </file>
 
+<file path=ppt/notesSlides/notesSlide2.xml><?xml version="1.0" encoding="utf-8"?>
+<p:notes xmlns:a="http://schemas.openxmlformats.org/drawingml/2006/main" xmlns:r="http://schemas.openxmlformats.org/officeDocument/2006/relationships" xmlns:p="http://schemas.openxmlformats.org/presentationml/2006/main">
+  <p:cSld>
+    <p:spTree>
+      <p:nvGrpSpPr>
+        <p:cNvPr id="1" name=""/>
+        <p:cNvGrpSpPr/>
+        <p:nvPr/>
+      </p:nvGrpSpPr>
+      <p:grpSpPr>
+        <a:xfrm>
+          <a:off x="0" y="0"/>
+          <a:ext cx="0" cy="0"/>
+          <a:chOff x="0" y="0"/>
+          <a:chExt cx="0" cy="0"/>
+        </a:xfrm>
+      </p:grpSpPr>
+      <p:sp>
+        <p:nvSpPr>
+          <p:cNvPr id="2" name="Slide Image Placeholder 1"/>
+          <p:cNvSpPr>
+            <a:spLocks noGrp="1" noRot="1" noChangeAspect="1"/>
+          </p:cNvSpPr>
+          <p:nvPr>
+            <p:ph type="sldImg"/>
+          </p:nvPr>
+        </p:nvSpPr>
+        <p:spPr/>
+      </p:sp>
+      <p:sp>
+        <p:nvSpPr>
+          <p:cNvPr id="3" name="Notes Placeholder 2"/>
+          <p:cNvSpPr>
+            <a:spLocks noGrp="1"/>
+          </p:cNvSpPr>
+          <p:nvPr>
+            <p:ph type="body" idx="1"/>
+          </p:nvPr>
+        </p:nvSpPr>
+        <p:spPr/>
+        <p:txBody>
+          <a:bodyPr/>
+          <a:lstStyle/>
+          <a:p>
+            <a:endParaRPr lang="en-SG" dirty="0"/>
+          </a:p>
+        </p:txBody>
+      </p:sp>
+      <p:sp>
+        <p:nvSpPr>
+          <p:cNvPr id="4" name="Slide Number Placeholder 3"/>
+          <p:cNvSpPr>
+            <a:spLocks noGrp="1"/>
+          </p:cNvSpPr>
+          <p:nvPr>
+            <p:ph type="sldNum" sz="quarter" idx="5"/>
+          </p:nvPr>
+        </p:nvSpPr>
+        <p:spPr/>
+        <p:txBody>
+          <a:bodyPr/>
+          <a:lstStyle/>
+          <a:p>
+            <a:fld id="{FF850E44-626D-40C4-8BBC-DC2EDC7C57BC}" type="slidenum">
+              <a:rPr lang="en-SG" smtClean="0"/>
+              <a:t>6</a:t>
+            </a:fld>
+            <a:endParaRPr lang="en-SG"/>
+          </a:p>
+        </p:txBody>
+      </p:sp>
+    </p:spTree>
+    <p:extLst>
+      <p:ext uri="{BB962C8B-B14F-4D97-AF65-F5344CB8AC3E}">
+        <p14:creationId xmlns:p14="http://schemas.microsoft.com/office/powerpoint/2010/main" val="2362985089"/>
+      </p:ext>
+    </p:extLst>
+  </p:cSld>
+  <p:clrMapOvr>
+    <a:masterClrMapping/>
+  </p:clrMapOvr>
+</p:notes>
+</file>
+
+<file path=ppt/notesSlides/notesSlide3.xml><?xml version="1.0" encoding="utf-8"?>
+<p:notes xmlns:a="http://schemas.openxmlformats.org/drawingml/2006/main" xmlns:r="http://schemas.openxmlformats.org/officeDocument/2006/relationships" xmlns:p="http://schemas.openxmlformats.org/presentationml/2006/main">
+  <p:cSld>
+    <p:spTree>
+      <p:nvGrpSpPr>
+        <p:cNvPr id="1" name=""/>
+        <p:cNvGrpSpPr/>
+        <p:nvPr/>
+      </p:nvGrpSpPr>
+      <p:grpSpPr>
+        <a:xfrm>
+          <a:off x="0" y="0"/>
+          <a:ext cx="0" cy="0"/>
+          <a:chOff x="0" y="0"/>
+          <a:chExt cx="0" cy="0"/>
+        </a:xfrm>
+      </p:grpSpPr>
+      <p:sp>
+        <p:nvSpPr>
+          <p:cNvPr id="2" name="Slide Image Placeholder 1"/>
+          <p:cNvSpPr>
+            <a:spLocks noGrp="1" noRot="1" noChangeAspect="1"/>
+          </p:cNvSpPr>
+          <p:nvPr>
+            <p:ph type="sldImg"/>
+          </p:nvPr>
+        </p:nvSpPr>
+        <p:spPr/>
+      </p:sp>
+      <p:sp>
+        <p:nvSpPr>
+          <p:cNvPr id="3" name="Notes Placeholder 2"/>
+          <p:cNvSpPr>
+            <a:spLocks noGrp="1"/>
+          </p:cNvSpPr>
+          <p:nvPr>
+            <p:ph type="body" idx="1"/>
+          </p:nvPr>
+        </p:nvSpPr>
+        <p:spPr/>
+        <p:txBody>
+          <a:bodyPr/>
+          <a:lstStyle/>
+          <a:p>
+            <a:r>
+              <a:rPr lang="en-US" dirty="0"/>
+              <a:t>Cost: </a:t>
+            </a:r>
+            <a:r>
+              <a:rPr lang="en-US" dirty="0" err="1"/>
+              <a:t>Zenivex</a:t>
+            </a:r>
+            <a:r>
+              <a:rPr lang="en-US" dirty="0"/>
+              <a:t>, $0.67 per acre, </a:t>
+            </a:r>
+            <a:r>
+              <a:rPr lang="en-US" dirty="0" err="1"/>
+              <a:t>totalling</a:t>
+            </a:r>
+            <a:r>
+              <a:rPr lang="en-US" dirty="0"/>
+              <a:t> $1.17 million if sprayed every week for 3 months during summer period</a:t>
+            </a:r>
+            <a:endParaRPr lang="en-SG" dirty="0"/>
+          </a:p>
+        </p:txBody>
+      </p:sp>
+      <p:sp>
+        <p:nvSpPr>
+          <p:cNvPr id="4" name="Slide Number Placeholder 3"/>
+          <p:cNvSpPr>
+            <a:spLocks noGrp="1"/>
+          </p:cNvSpPr>
+          <p:nvPr>
+            <p:ph type="sldNum" sz="quarter" idx="5"/>
+          </p:nvPr>
+        </p:nvSpPr>
+        <p:spPr/>
+        <p:txBody>
+          <a:bodyPr/>
+          <a:lstStyle/>
+          <a:p>
+            <a:fld id="{FF850E44-626D-40C4-8BBC-DC2EDC7C57BC}" type="slidenum">
+              <a:rPr lang="en-SG" smtClean="0"/>
+              <a:t>7</a:t>
+            </a:fld>
+            <a:endParaRPr lang="en-SG"/>
+          </a:p>
+        </p:txBody>
+      </p:sp>
+    </p:spTree>
+    <p:extLst>
+      <p:ext uri="{BB962C8B-B14F-4D97-AF65-F5344CB8AC3E}">
+        <p14:creationId xmlns:p14="http://schemas.microsoft.com/office/powerpoint/2010/main" val="3903529331"/>
+      </p:ext>
+    </p:extLst>
+  </p:cSld>
+  <p:clrMapOvr>
+    <a:masterClrMapping/>
+  </p:clrMapOvr>
+</p:notes>
+</file>
+
 <file path=ppt/slideLayouts/slideLayout1.xml><?xml version="1.0" encoding="utf-8"?>
 <p:sldLayout xmlns:a="http://schemas.openxmlformats.org/drawingml/2006/main" xmlns:r="http://schemas.openxmlformats.org/officeDocument/2006/relationships" xmlns:p="http://schemas.openxmlformats.org/presentationml/2006/main" type="title" preserve="1">
   <p:cSld name="Title Slide">
@@ -3078,7 +3266,7 @@
           <a:p>
             <a:fld id="{F7CE83FD-741C-467B-B491-C5E4ED0602F4}" type="datetimeFigureOut">
               <a:rPr lang="en-SG" smtClean="0"/>
-              <a:t>14/10/2021</a:t>
+              <a:t>15/10/2021</a:t>
             </a:fld>
             <a:endParaRPr lang="en-SG"/>
           </a:p>
@@ -3278,7 +3466,7 @@
           <a:p>
             <a:fld id="{F7CE83FD-741C-467B-B491-C5E4ED0602F4}" type="datetimeFigureOut">
               <a:rPr lang="en-SG" smtClean="0"/>
-              <a:t>14/10/2021</a:t>
+              <a:t>15/10/2021</a:t>
             </a:fld>
             <a:endParaRPr lang="en-SG"/>
           </a:p>
@@ -3488,7 +3676,7 @@
           <a:p>
             <a:fld id="{F7CE83FD-741C-467B-B491-C5E4ED0602F4}" type="datetimeFigureOut">
               <a:rPr lang="en-SG" smtClean="0"/>
-              <a:t>14/10/2021</a:t>
+              <a:t>15/10/2021</a:t>
             </a:fld>
             <a:endParaRPr lang="en-SG"/>
           </a:p>
@@ -3688,7 +3876,7 @@
           <a:p>
             <a:fld id="{F7CE83FD-741C-467B-B491-C5E4ED0602F4}" type="datetimeFigureOut">
               <a:rPr lang="en-SG" smtClean="0"/>
-              <a:t>14/10/2021</a:t>
+              <a:t>15/10/2021</a:t>
             </a:fld>
             <a:endParaRPr lang="en-SG"/>
           </a:p>
@@ -3964,7 +4152,7 @@
           <a:p>
             <a:fld id="{F7CE83FD-741C-467B-B491-C5E4ED0602F4}" type="datetimeFigureOut">
               <a:rPr lang="en-SG" smtClean="0"/>
-              <a:t>14/10/2021</a:t>
+              <a:t>15/10/2021</a:t>
             </a:fld>
             <a:endParaRPr lang="en-SG"/>
           </a:p>
@@ -4232,7 +4420,7 @@
           <a:p>
             <a:fld id="{F7CE83FD-741C-467B-B491-C5E4ED0602F4}" type="datetimeFigureOut">
               <a:rPr lang="en-SG" smtClean="0"/>
-              <a:t>14/10/2021</a:t>
+              <a:t>15/10/2021</a:t>
             </a:fld>
             <a:endParaRPr lang="en-SG"/>
           </a:p>
@@ -4647,7 +4835,7 @@
           <a:p>
             <a:fld id="{F7CE83FD-741C-467B-B491-C5E4ED0602F4}" type="datetimeFigureOut">
               <a:rPr lang="en-SG" smtClean="0"/>
-              <a:t>14/10/2021</a:t>
+              <a:t>15/10/2021</a:t>
             </a:fld>
             <a:endParaRPr lang="en-SG"/>
           </a:p>
@@ -4789,7 +4977,7 @@
           <a:p>
             <a:fld id="{F7CE83FD-741C-467B-B491-C5E4ED0602F4}" type="datetimeFigureOut">
               <a:rPr lang="en-SG" smtClean="0"/>
-              <a:t>14/10/2021</a:t>
+              <a:t>15/10/2021</a:t>
             </a:fld>
             <a:endParaRPr lang="en-SG"/>
           </a:p>
@@ -4902,7 +5090,7 @@
           <a:p>
             <a:fld id="{F7CE83FD-741C-467B-B491-C5E4ED0602F4}" type="datetimeFigureOut">
               <a:rPr lang="en-SG" smtClean="0"/>
-              <a:t>14/10/2021</a:t>
+              <a:t>15/10/2021</a:t>
             </a:fld>
             <a:endParaRPr lang="en-SG"/>
           </a:p>
@@ -5215,7 +5403,7 @@
           <a:p>
             <a:fld id="{F7CE83FD-741C-467B-B491-C5E4ED0602F4}" type="datetimeFigureOut">
               <a:rPr lang="en-SG" smtClean="0"/>
-              <a:t>14/10/2021</a:t>
+              <a:t>15/10/2021</a:t>
             </a:fld>
             <a:endParaRPr lang="en-SG"/>
           </a:p>
@@ -5504,7 +5692,7 @@
           <a:p>
             <a:fld id="{F7CE83FD-741C-467B-B491-C5E4ED0602F4}" type="datetimeFigureOut">
               <a:rPr lang="en-SG" smtClean="0"/>
-              <a:t>14/10/2021</a:t>
+              <a:t>15/10/2021</a:t>
             </a:fld>
             <a:endParaRPr lang="en-SG"/>
           </a:p>
@@ -5747,7 +5935,7 @@
           <a:p>
             <a:fld id="{F7CE83FD-741C-467B-B491-C5E4ED0602F4}" type="datetimeFigureOut">
               <a:rPr lang="en-SG" smtClean="0"/>
-              <a:t>14/10/2021</a:t>
+              <a:t>15/10/2021</a:t>
             </a:fld>
             <a:endParaRPr lang="en-SG"/>
           </a:p>
@@ -9551,7 +9739,7 @@
           </p:nvPr>
         </p:nvPicPr>
         <p:blipFill>
-          <a:blip r:embed="rId2"/>
+          <a:blip r:embed="rId3"/>
           <a:stretch>
             <a:fillRect/>
           </a:stretch>
@@ -9578,7 +9766,7 @@
           <p:nvPr/>
         </p:nvPicPr>
         <p:blipFill rotWithShape="1">
-          <a:blip r:embed="rId3">
+          <a:blip r:embed="rId4">
             <a:extLst>
               <a:ext uri="{28A0092B-C50C-407E-A947-70E740481C1C}">
                 <a14:useLocalDpi xmlns:a14="http://schemas.microsoft.com/office/drawing/2010/main" val="0"/>
@@ -10344,7 +10532,7 @@
         </p:nvGrpSpPr>
         <p:grpSpPr>
           <a:xfrm>
-            <a:off x="3378652" y="2184415"/>
+            <a:off x="2818546" y="2180348"/>
             <a:ext cx="5368434" cy="4677652"/>
             <a:chOff x="3411783" y="1670857"/>
             <a:chExt cx="5368434" cy="4677652"/>
@@ -10425,7 +10613,7 @@
                   <p:nvPr/>
                 </p:nvPicPr>
                 <p:blipFill>
-                  <a:blip r:embed="rId2"/>
+                  <a:blip r:embed="rId3"/>
                   <a:stretch>
                     <a:fillRect/>
                   </a:stretch>
@@ -10455,7 +10643,7 @@
                   <p:nvPr/>
                 </p:nvPicPr>
                 <p:blipFill>
-                  <a:blip r:embed="rId3"/>
+                  <a:blip r:embed="rId4"/>
                   <a:stretch>
                     <a:fillRect/>
                   </a:stretch>
@@ -10485,7 +10673,7 @@
                   <p:nvPr/>
                 </p:nvPicPr>
                 <p:blipFill>
-                  <a:blip r:embed="rId3"/>
+                  <a:blip r:embed="rId4"/>
                   <a:stretch>
                     <a:fillRect/>
                   </a:stretch>
@@ -10516,7 +10704,7 @@
                 <p:nvPr/>
               </p:nvPicPr>
               <p:blipFill>
-                <a:blip r:embed="rId4"/>
+                <a:blip r:embed="rId5"/>
                 <a:stretch>
                   <a:fillRect/>
                 </a:stretch>
@@ -10547,7 +10735,7 @@
               <p:nvPr/>
             </p:nvPicPr>
             <p:blipFill>
-              <a:blip r:embed="rId5"/>
+              <a:blip r:embed="rId6"/>
               <a:stretch>
                 <a:fillRect/>
               </a:stretch>
@@ -10712,8 +10900,8 @@
         </p:nvSpPr>
         <p:spPr>
           <a:xfrm>
-            <a:off x="1120505" y="2174951"/>
-            <a:ext cx="3451495" cy="584776"/>
+            <a:off x="848773" y="3711222"/>
+            <a:ext cx="2240903" cy="1007959"/>
           </a:xfrm>
         </p:spPr>
         <p:txBody>
@@ -10733,7 +10921,22 @@
             </a:pPr>
             <a:r>
               <a:rPr lang="en-US" sz="2400" dirty="0"/>
-              <a:t>Spraying: US$1.17 million</a:t>
+              <a:t>Spraying: </a:t>
+            </a:r>
+          </a:p>
+          <a:p>
+            <a:pPr marL="0" indent="0">
+              <a:lnSpc>
+                <a:spcPct val="100000"/>
+              </a:lnSpc>
+              <a:spcBef>
+                <a:spcPts val="0"/>
+              </a:spcBef>
+              <a:buNone/>
+            </a:pPr>
+            <a:r>
+              <a:rPr lang="en-US" sz="2400" dirty="0"/>
+              <a:t>US$1.17 million</a:t>
             </a:r>
             <a:endParaRPr lang="en-SG" sz="2400" dirty="0"/>
           </a:p>
@@ -10755,7 +10958,7 @@
         </p:nvSpPr>
         <p:spPr>
           <a:xfrm>
-            <a:off x="1156572" y="3316727"/>
+            <a:off x="9015457" y="4102199"/>
             <a:ext cx="2942462" cy="584776"/>
           </a:xfrm>
           <a:prstGeom prst="rect">
@@ -10964,13 +11167,13 @@
           <p:nvPr/>
         </p:nvPicPr>
         <p:blipFill>
-          <a:blip r:embed="rId6">
+          <a:blip r:embed="rId7">
             <a:extLst>
               <a:ext uri="{28A0092B-C50C-407E-A947-70E740481C1C}">
                 <a14:useLocalDpi xmlns:a14="http://schemas.microsoft.com/office/drawing/2010/main" val="0"/>
               </a:ext>
               <a:ext uri="{96DAC541-7B7A-43D3-8B79-37D633B846F1}">
-                <asvg:svgBlip xmlns:asvg="http://schemas.microsoft.com/office/drawing/2016/SVG/main" r:embed="rId7"/>
+                <asvg:svgBlip xmlns:asvg="http://schemas.microsoft.com/office/drawing/2016/SVG/main" r:embed="rId8"/>
               </a:ext>
             </a:extLst>
           </a:blip>
@@ -10980,7 +11183,7 @@
         </p:blipFill>
         <p:spPr>
           <a:xfrm>
-            <a:off x="146408" y="1826261"/>
+            <a:off x="165467" y="3654929"/>
             <a:ext cx="914400" cy="914400"/>
           </a:xfrm>
           <a:prstGeom prst="rect">
@@ -11003,13 +11206,13 @@
           <p:nvPr/>
         </p:nvPicPr>
         <p:blipFill>
-          <a:blip r:embed="rId8">
+          <a:blip r:embed="rId9">
             <a:extLst>
               <a:ext uri="{28A0092B-C50C-407E-A947-70E740481C1C}">
                 <a14:useLocalDpi xmlns:a14="http://schemas.microsoft.com/office/drawing/2010/main" val="0"/>
               </a:ext>
               <a:ext uri="{96DAC541-7B7A-43D3-8B79-37D633B846F1}">
-                <asvg:svgBlip xmlns:asvg="http://schemas.microsoft.com/office/drawing/2016/SVG/main" r:embed="rId9"/>
+                <asvg:svgBlip xmlns:asvg="http://schemas.microsoft.com/office/drawing/2016/SVG/main" r:embed="rId10"/>
               </a:ext>
             </a:extLst>
           </a:blip>
@@ -11019,7 +11222,7 @@
         </p:blipFill>
         <p:spPr>
           <a:xfrm>
-            <a:off x="146408" y="2985421"/>
+            <a:off x="8162711" y="4013051"/>
             <a:ext cx="914400" cy="914400"/>
           </a:xfrm>
           <a:prstGeom prst="rect">
@@ -11042,7 +11245,7 @@
           <p:nvPr/>
         </p:nvPicPr>
         <p:blipFill>
-          <a:blip r:embed="rId10">
+          <a:blip r:embed="rId11">
             <a:extLst>
               <a:ext uri="{28A0092B-C50C-407E-A947-70E740481C1C}">
                 <a14:useLocalDpi xmlns:a14="http://schemas.microsoft.com/office/drawing/2010/main" val="0"/>
@@ -11056,8 +11259,8 @@
         </p:blipFill>
         <p:spPr bwMode="auto">
           <a:xfrm>
-            <a:off x="8343406" y="1968361"/>
-            <a:ext cx="914400" cy="914400"/>
+            <a:off x="8252116" y="2732479"/>
+            <a:ext cx="775543" cy="775543"/>
           </a:xfrm>
           <a:prstGeom prst="rect">
             <a:avLst/>
@@ -11090,8 +11293,8 @@
         </p:nvSpPr>
         <p:spPr>
           <a:xfrm>
-            <a:off x="9428926" y="2087752"/>
-            <a:ext cx="2787786" cy="1521363"/>
+            <a:off x="9092795" y="2770287"/>
+            <a:ext cx="2787786" cy="795009"/>
           </a:xfrm>
           <a:prstGeom prst="rect">
             <a:avLst/>
@@ -11099,7 +11302,7 @@
         </p:spPr>
         <p:txBody>
           <a:bodyPr vert="horz" lIns="91440" tIns="45720" rIns="91440" bIns="45720" rtlCol="0">
-            <a:normAutofit/>
+            <a:normAutofit lnSpcReduction="10000"/>
           </a:bodyPr>
           <a:lstStyle>
             <a:lvl1pPr marL="228600" indent="-228600" algn="l" defTabSz="914400" rtl="0" eaLnBrk="1" latinLnBrk="0" hangingPunct="1">
@@ -11295,6 +11498,232 @@
             <a:r>
               <a:rPr lang="en-US" sz="2400" dirty="0"/>
               <a:t>US$7,500</a:t>
+            </a:r>
+            <a:endParaRPr lang="en-SG" sz="2400" dirty="0"/>
+          </a:p>
+        </p:txBody>
+      </p:sp>
+      <p:sp>
+        <p:nvSpPr>
+          <p:cNvPr id="27" name="Content Placeholder 2">
+            <a:extLst>
+              <a:ext uri="{FF2B5EF4-FFF2-40B4-BE49-F238E27FC236}">
+                <a16:creationId xmlns:a16="http://schemas.microsoft.com/office/drawing/2014/main" id="{912586CD-1F05-4FEE-99EE-25A8AC7445D6}"/>
+              </a:ext>
+            </a:extLst>
+          </p:cNvPr>
+          <p:cNvSpPr txBox="1">
+            <a:spLocks/>
+          </p:cNvSpPr>
+          <p:nvPr/>
+        </p:nvSpPr>
+        <p:spPr>
+          <a:xfrm>
+            <a:off x="2909727" y="1634687"/>
+            <a:ext cx="6257570" cy="513825"/>
+          </a:xfrm>
+          <a:prstGeom prst="rect">
+            <a:avLst/>
+          </a:prstGeom>
+        </p:spPr>
+        <p:txBody>
+          <a:bodyPr vert="horz" lIns="91440" tIns="45720" rIns="91440" bIns="45720" rtlCol="0">
+            <a:normAutofit fontScale="70000" lnSpcReduction="20000"/>
+          </a:bodyPr>
+          <a:lstStyle>
+            <a:lvl1pPr marL="228600" indent="-228600" algn="l" defTabSz="914400" rtl="0" eaLnBrk="1" latinLnBrk="0" hangingPunct="1">
+              <a:lnSpc>
+                <a:spcPct val="90000"/>
+              </a:lnSpc>
+              <a:spcBef>
+                <a:spcPts val="1000"/>
+              </a:spcBef>
+              <a:buFont typeface="Arial" panose="020B0604020202020204" pitchFamily="34" charset="0"/>
+              <a:buChar char="•"/>
+              <a:defRPr sz="2800" kern="1200">
+                <a:solidFill>
+                  <a:schemeClr val="tx1"/>
+                </a:solidFill>
+                <a:latin typeface="+mn-lt"/>
+                <a:ea typeface="+mn-ea"/>
+                <a:cs typeface="+mn-cs"/>
+              </a:defRPr>
+            </a:lvl1pPr>
+            <a:lvl2pPr marL="685800" indent="-228600" algn="l" defTabSz="914400" rtl="0" eaLnBrk="1" latinLnBrk="0" hangingPunct="1">
+              <a:lnSpc>
+                <a:spcPct val="90000"/>
+              </a:lnSpc>
+              <a:spcBef>
+                <a:spcPts val="500"/>
+              </a:spcBef>
+              <a:buFont typeface="Arial" panose="020B0604020202020204" pitchFamily="34" charset="0"/>
+              <a:buChar char="•"/>
+              <a:defRPr sz="2400" kern="1200">
+                <a:solidFill>
+                  <a:schemeClr val="tx1"/>
+                </a:solidFill>
+                <a:latin typeface="+mn-lt"/>
+                <a:ea typeface="+mn-ea"/>
+                <a:cs typeface="+mn-cs"/>
+              </a:defRPr>
+            </a:lvl2pPr>
+            <a:lvl3pPr marL="1143000" indent="-228600" algn="l" defTabSz="914400" rtl="0" eaLnBrk="1" latinLnBrk="0" hangingPunct="1">
+              <a:lnSpc>
+                <a:spcPct val="90000"/>
+              </a:lnSpc>
+              <a:spcBef>
+                <a:spcPts val="500"/>
+              </a:spcBef>
+              <a:buFont typeface="Arial" panose="020B0604020202020204" pitchFamily="34" charset="0"/>
+              <a:buChar char="•"/>
+              <a:defRPr sz="2000" kern="1200">
+                <a:solidFill>
+                  <a:schemeClr val="tx1"/>
+                </a:solidFill>
+                <a:latin typeface="+mn-lt"/>
+                <a:ea typeface="+mn-ea"/>
+                <a:cs typeface="+mn-cs"/>
+              </a:defRPr>
+            </a:lvl3pPr>
+            <a:lvl4pPr marL="1600200" indent="-228600" algn="l" defTabSz="914400" rtl="0" eaLnBrk="1" latinLnBrk="0" hangingPunct="1">
+              <a:lnSpc>
+                <a:spcPct val="90000"/>
+              </a:lnSpc>
+              <a:spcBef>
+                <a:spcPts val="500"/>
+              </a:spcBef>
+              <a:buFont typeface="Arial" panose="020B0604020202020204" pitchFamily="34" charset="0"/>
+              <a:buChar char="•"/>
+              <a:defRPr sz="1800" kern="1200">
+                <a:solidFill>
+                  <a:schemeClr val="tx1"/>
+                </a:solidFill>
+                <a:latin typeface="+mn-lt"/>
+                <a:ea typeface="+mn-ea"/>
+                <a:cs typeface="+mn-cs"/>
+              </a:defRPr>
+            </a:lvl4pPr>
+            <a:lvl5pPr marL="2057400" indent="-228600" algn="l" defTabSz="914400" rtl="0" eaLnBrk="1" latinLnBrk="0" hangingPunct="1">
+              <a:lnSpc>
+                <a:spcPct val="90000"/>
+              </a:lnSpc>
+              <a:spcBef>
+                <a:spcPts val="500"/>
+              </a:spcBef>
+              <a:buFont typeface="Arial" panose="020B0604020202020204" pitchFamily="34" charset="0"/>
+              <a:buChar char="•"/>
+              <a:defRPr sz="1800" kern="1200">
+                <a:solidFill>
+                  <a:schemeClr val="tx1"/>
+                </a:solidFill>
+                <a:latin typeface="+mn-lt"/>
+                <a:ea typeface="+mn-ea"/>
+                <a:cs typeface="+mn-cs"/>
+              </a:defRPr>
+            </a:lvl5pPr>
+            <a:lvl6pPr marL="2514600" indent="-228600" algn="l" defTabSz="914400" rtl="0" eaLnBrk="1" latinLnBrk="0" hangingPunct="1">
+              <a:lnSpc>
+                <a:spcPct val="90000"/>
+              </a:lnSpc>
+              <a:spcBef>
+                <a:spcPts val="500"/>
+              </a:spcBef>
+              <a:buFont typeface="Arial" panose="020B0604020202020204" pitchFamily="34" charset="0"/>
+              <a:buChar char="•"/>
+              <a:defRPr sz="1800" kern="1200">
+                <a:solidFill>
+                  <a:schemeClr val="tx1"/>
+                </a:solidFill>
+                <a:latin typeface="+mn-lt"/>
+                <a:ea typeface="+mn-ea"/>
+                <a:cs typeface="+mn-cs"/>
+              </a:defRPr>
+            </a:lvl6pPr>
+            <a:lvl7pPr marL="2971800" indent="-228600" algn="l" defTabSz="914400" rtl="0" eaLnBrk="1" latinLnBrk="0" hangingPunct="1">
+              <a:lnSpc>
+                <a:spcPct val="90000"/>
+              </a:lnSpc>
+              <a:spcBef>
+                <a:spcPts val="500"/>
+              </a:spcBef>
+              <a:buFont typeface="Arial" panose="020B0604020202020204" pitchFamily="34" charset="0"/>
+              <a:buChar char="•"/>
+              <a:defRPr sz="1800" kern="1200">
+                <a:solidFill>
+                  <a:schemeClr val="tx1"/>
+                </a:solidFill>
+                <a:latin typeface="+mn-lt"/>
+                <a:ea typeface="+mn-ea"/>
+                <a:cs typeface="+mn-cs"/>
+              </a:defRPr>
+            </a:lvl7pPr>
+            <a:lvl8pPr marL="3429000" indent="-228600" algn="l" defTabSz="914400" rtl="0" eaLnBrk="1" latinLnBrk="0" hangingPunct="1">
+              <a:lnSpc>
+                <a:spcPct val="90000"/>
+              </a:lnSpc>
+              <a:spcBef>
+                <a:spcPts val="500"/>
+              </a:spcBef>
+              <a:buFont typeface="Arial" panose="020B0604020202020204" pitchFamily="34" charset="0"/>
+              <a:buChar char="•"/>
+              <a:defRPr sz="1800" kern="1200">
+                <a:solidFill>
+                  <a:schemeClr val="tx1"/>
+                </a:solidFill>
+                <a:latin typeface="+mn-lt"/>
+                <a:ea typeface="+mn-ea"/>
+                <a:cs typeface="+mn-cs"/>
+              </a:defRPr>
+            </a:lvl8pPr>
+            <a:lvl9pPr marL="3886200" indent="-228600" algn="l" defTabSz="914400" rtl="0" eaLnBrk="1" latinLnBrk="0" hangingPunct="1">
+              <a:lnSpc>
+                <a:spcPct val="90000"/>
+              </a:lnSpc>
+              <a:spcBef>
+                <a:spcPts val="500"/>
+              </a:spcBef>
+              <a:buFont typeface="Arial" panose="020B0604020202020204" pitchFamily="34" charset="0"/>
+              <a:buChar char="•"/>
+              <a:defRPr sz="1800" kern="1200">
+                <a:solidFill>
+                  <a:schemeClr val="tx1"/>
+                </a:solidFill>
+                <a:latin typeface="+mn-lt"/>
+                <a:ea typeface="+mn-ea"/>
+                <a:cs typeface="+mn-cs"/>
+              </a:defRPr>
+            </a:lvl9pPr>
+          </a:lstStyle>
+          <a:p>
+            <a:pPr marL="0" indent="0">
+              <a:lnSpc>
+                <a:spcPct val="100000"/>
+              </a:lnSpc>
+              <a:spcBef>
+                <a:spcPts val="0"/>
+              </a:spcBef>
+              <a:buFont typeface="Arial" panose="020B0604020202020204" pitchFamily="34" charset="0"/>
+              <a:buNone/>
+            </a:pPr>
+            <a:r>
+              <a:rPr lang="en-US" sz="2400" dirty="0"/>
+              <a:t>Scenario: we sprayed across the entire Chicago city in 2013. </a:t>
+            </a:r>
+          </a:p>
+          <a:p>
+            <a:pPr marL="0" indent="0">
+              <a:lnSpc>
+                <a:spcPct val="100000"/>
+              </a:lnSpc>
+              <a:spcBef>
+                <a:spcPts val="0"/>
+              </a:spcBef>
+              <a:buFont typeface="Arial" panose="020B0604020202020204" pitchFamily="34" charset="0"/>
+              <a:buNone/>
+            </a:pPr>
+            <a:r>
+              <a:rPr lang="en-US" sz="2400" dirty="0"/>
+              <a:t>Instead of 66 human infected cases, there were none.</a:t>
             </a:r>
             <a:endParaRPr lang="en-SG" sz="2400" dirty="0"/>
           </a:p>
